--- a/lectures/09-CountData.pptx
+++ b/lectures/09-CountData.pptx
@@ -272,12 +272,12 @@
             <p14:sldId id="317"/>
             <p14:sldId id="318"/>
             <p14:sldId id="319"/>
-            <p14:sldId id="320"/>
-            <p14:sldId id="321"/>
           </p14:sldIdLst>
         </p14:section>
         <p14:section name="Wrapup" id="{3EDFCAC7-18D6-4EA8-A361-D67769EC95EC}">
           <p14:sldIdLst>
+            <p14:sldId id="320"/>
+            <p14:sldId id="321"/>
             <p14:sldId id="322"/>
             <p14:sldId id="323"/>
             <p14:sldId id="324"/>
@@ -409,7 +409,7 @@
           <a:p>
             <a:fld id="{08BD4FA9-F3CE-45B3-A980-C331C6F1EF65}" type="datetimeFigureOut">
               <a:rPr lang="en-US" smtClean="0"/>
-              <a:t>12/5/2022</a:t>
+              <a:t>12/12/2022</a:t>
             </a:fld>
             <a:endParaRPr lang="en-US"/>
           </a:p>
@@ -682,7 +682,7 @@
           <a:p>
             <a:fld id="{EAAD3657-2200-4D14-82C0-10C39B0F0F06}" type="datetime1">
               <a:rPr lang="en-US" smtClean="0"/>
-              <a:t>12/5/2022</a:t>
+              <a:t>12/12/2022</a:t>
             </a:fld>
             <a:endParaRPr lang="en-US"/>
           </a:p>
@@ -850,7 +850,7 @@
           <a:p>
             <a:fld id="{11BBAF55-A85E-4993-914E-FC1E5AA7DF24}" type="datetime1">
               <a:rPr lang="en-US" smtClean="0"/>
-              <a:t>12/5/2022</a:t>
+              <a:t>12/12/2022</a:t>
             </a:fld>
             <a:endParaRPr lang="en-US"/>
           </a:p>
@@ -1028,7 +1028,7 @@
           <a:p>
             <a:fld id="{39816E07-E1DB-44A4-A5E5-9F4B54E8C933}" type="datetime1">
               <a:rPr lang="en-US" smtClean="0"/>
-              <a:t>12/5/2022</a:t>
+              <a:t>12/12/2022</a:t>
             </a:fld>
             <a:endParaRPr lang="en-US"/>
           </a:p>
@@ -1213,7 +1213,7 @@
           <a:p>
             <a:fld id="{C2B1AD17-B813-4477-8AFE-B1860CC59113}" type="datetime1">
               <a:rPr lang="en-US" smtClean="0"/>
-              <a:t>12/5/2022</a:t>
+              <a:t>12/12/2022</a:t>
             </a:fld>
             <a:endParaRPr lang="en-US"/>
           </a:p>
@@ -1458,7 +1458,7 @@
           <a:p>
             <a:fld id="{D0975C0D-5C9E-48CC-8D31-F42D19FA8F7A}" type="datetime1">
               <a:rPr lang="en-US" smtClean="0"/>
-              <a:t>12/5/2022</a:t>
+              <a:t>12/12/2022</a:t>
             </a:fld>
             <a:endParaRPr lang="en-US"/>
           </a:p>
@@ -1743,7 +1743,7 @@
           <a:p>
             <a:fld id="{28657551-0F2B-4F09-86FD-F7994CE83DC5}" type="datetime1">
               <a:rPr lang="en-US" smtClean="0"/>
-              <a:t>12/5/2022</a:t>
+              <a:t>12/12/2022</a:t>
             </a:fld>
             <a:endParaRPr lang="en-US"/>
           </a:p>
@@ -2162,7 +2162,7 @@
           <a:p>
             <a:fld id="{3929D2B2-4200-46B9-96C3-02A55D5FAA00}" type="datetime1">
               <a:rPr lang="en-US" smtClean="0"/>
-              <a:t>12/5/2022</a:t>
+              <a:t>12/12/2022</a:t>
             </a:fld>
             <a:endParaRPr lang="en-US"/>
           </a:p>
@@ -2279,7 +2279,7 @@
           <a:p>
             <a:fld id="{41FF7722-74E8-497F-A072-89677A2C2373}" type="datetime1">
               <a:rPr lang="en-US" smtClean="0"/>
-              <a:t>12/5/2022</a:t>
+              <a:t>12/12/2022</a:t>
             </a:fld>
             <a:endParaRPr lang="en-US"/>
           </a:p>
@@ -2374,7 +2374,7 @@
           <a:p>
             <a:fld id="{BD26212E-B46B-426F-AE59-AA326827D9E0}" type="datetime1">
               <a:rPr lang="en-US" smtClean="0"/>
-              <a:t>12/5/2022</a:t>
+              <a:t>12/12/2022</a:t>
             </a:fld>
             <a:endParaRPr lang="en-US"/>
           </a:p>
@@ -2649,7 +2649,7 @@
           <a:p>
             <a:fld id="{FB9B81E8-09EA-4684-A39F-38DE1E49D20C}" type="datetime1">
               <a:rPr lang="en-US" smtClean="0"/>
-              <a:t>12/5/2022</a:t>
+              <a:t>12/12/2022</a:t>
             </a:fld>
             <a:endParaRPr lang="en-US"/>
           </a:p>
@@ -2901,7 +2901,7 @@
           <a:p>
             <a:fld id="{35C5CC5F-056C-4047-9A5C-9F5B4BED129B}" type="datetime1">
               <a:rPr lang="en-US" smtClean="0"/>
-              <a:t>12/5/2022</a:t>
+              <a:t>12/12/2022</a:t>
             </a:fld>
             <a:endParaRPr lang="en-US"/>
           </a:p>
@@ -3115,7 +3115,7 @@
           <a:p>
             <a:fld id="{E8171053-07BD-4A17-AC24-0A22EAA36098}" type="datetime1">
               <a:rPr lang="en-US" smtClean="0"/>
-              <a:t>12/5/2022</a:t>
+              <a:t>12/12/2022</a:t>
             </a:fld>
             <a:endParaRPr lang="en-US"/>
           </a:p>
@@ -4514,27 +4514,45 @@
               <a:t>                  </a:t>
             </a:r>
             <a:r>
-              <a:rPr lang="en-US" sz="2000" dirty="0" err="1"/>
+              <a:rPr lang="en-US" sz="1800" b="1" dirty="0" err="1">
+                <a:latin typeface="Courier New" panose="02070309020205020404" pitchFamily="49" charset="0"/>
+                <a:cs typeface="Courier New" panose="02070309020205020404" pitchFamily="49" charset="0"/>
+              </a:rPr>
               <a:t>glm</a:t>
             </a:r>
             <a:r>
-              <a:rPr lang="en-US" sz="2000" dirty="0"/>
+              <a:rPr lang="en-US" sz="1800" b="1" dirty="0">
+                <a:latin typeface="Courier New" panose="02070309020205020404" pitchFamily="49" charset="0"/>
+                <a:cs typeface="Courier New" panose="02070309020205020404" pitchFamily="49" charset="0"/>
+              </a:rPr>
               <a:t>(y ~ x1 + x2 + …, family=</a:t>
             </a:r>
             <a:r>
-              <a:rPr lang="en-US" sz="2000" dirty="0" err="1"/>
+              <a:rPr lang="en-US" sz="1800" b="1" dirty="0" err="1">
+                <a:latin typeface="Courier New" panose="02070309020205020404" pitchFamily="49" charset="0"/>
+                <a:cs typeface="Courier New" panose="02070309020205020404" pitchFamily="49" charset="0"/>
+              </a:rPr>
               <a:t>poisson</a:t>
             </a:r>
             <a:r>
-              <a:rPr lang="en-US" sz="2000" dirty="0"/>
+              <a:rPr lang="en-US" sz="1800" b="1" dirty="0">
+                <a:latin typeface="Courier New" panose="02070309020205020404" pitchFamily="49" charset="0"/>
+                <a:cs typeface="Courier New" panose="02070309020205020404" pitchFamily="49" charset="0"/>
+              </a:rPr>
               <a:t>, data=</a:t>
             </a:r>
             <a:r>
-              <a:rPr lang="en-US" sz="2000" dirty="0" err="1"/>
+              <a:rPr lang="en-US" sz="1800" b="1" dirty="0" err="1">
+                <a:latin typeface="Courier New" panose="02070309020205020404" pitchFamily="49" charset="0"/>
+                <a:cs typeface="Courier New" panose="02070309020205020404" pitchFamily="49" charset="0"/>
+              </a:rPr>
               <a:t>mydata</a:t>
             </a:r>
             <a:r>
-              <a:rPr lang="en-US" sz="2000" dirty="0"/>
+              <a:rPr lang="en-US" sz="1800" b="1" dirty="0">
+                <a:latin typeface="Courier New" panose="02070309020205020404" pitchFamily="49" charset="0"/>
+                <a:cs typeface="Courier New" panose="02070309020205020404" pitchFamily="49" charset="0"/>
+              </a:rPr>
               <a:t>)</a:t>
             </a:r>
           </a:p>
@@ -5548,15 +5566,7 @@
           <a:p>
             <a:r>
               <a:rPr lang="en-US" dirty="0"/>
-              <a:t>Fitting the </a:t>
-            </a:r>
-            <a:r>
-              <a:rPr lang="en-US" dirty="0" err="1"/>
-              <a:t>Poisso</a:t>
-            </a:r>
-            <a:r>
-              <a:rPr lang="en-US" dirty="0"/>
-              <a:t> model</a:t>
+              <a:t>Fitting the Poisson model</a:t>
             </a:r>
           </a:p>
         </p:txBody>
@@ -6655,6 +6665,18 @@
   <p:clrMapOvr>
     <a:masterClrMapping/>
   </p:clrMapOvr>
+  <mc:AlternateContent xmlns:mc="http://schemas.openxmlformats.org/markup-compatibility/2006">
+    <mc:Choice xmlns:p14="http://schemas.microsoft.com/office/powerpoint/2010/main" Requires="p14">
+      <p:transition spd="slow" p14:dur="2000">
+        <p14:prism isContent="1"/>
+      </p:transition>
+    </mc:Choice>
+    <mc:Fallback>
+      <p:transition spd="slow">
+        <p:fade/>
+      </p:transition>
+    </mc:Fallback>
+  </mc:AlternateContent>
 </p:sld>
 </file>
 
@@ -11096,6 +11118,18 @@
   <p:clrMapOvr>
     <a:masterClrMapping/>
   </p:clrMapOvr>
+  <mc:AlternateContent xmlns:mc="http://schemas.openxmlformats.org/markup-compatibility/2006">
+    <mc:Choice xmlns:p14="http://schemas.microsoft.com/office/powerpoint/2010/main" Requires="p14">
+      <p:transition spd="slow" p14:dur="2000">
+        <p14:prism isContent="1"/>
+      </p:transition>
+    </mc:Choice>
+    <mc:Fallback>
+      <p:transition spd="slow">
+        <p:fade/>
+      </p:transition>
+    </mc:Fallback>
+  </mc:AlternateContent>
 </p:sld>
 </file>
 
@@ -16335,6 +16369,18 @@
   <p:clrMapOvr>
     <a:masterClrMapping/>
   </p:clrMapOvr>
+  <mc:AlternateContent xmlns:mc="http://schemas.openxmlformats.org/markup-compatibility/2006">
+    <mc:Choice xmlns:p14="http://schemas.microsoft.com/office/powerpoint/2010/main" Requires="p14">
+      <p:transition spd="slow" p14:dur="2000">
+        <p14:prism isContent="1"/>
+      </p:transition>
+    </mc:Choice>
+    <mc:Fallback>
+      <p:transition spd="slow">
+        <p:fade/>
+      </p:transition>
+    </mc:Fallback>
+  </mc:AlternateContent>
 </p:sld>
 </file>
 
@@ -22427,6 +22473,18 @@
   <p:clrMapOvr>
     <a:masterClrMapping/>
   </p:clrMapOvr>
+  <mc:AlternateContent xmlns:mc="http://schemas.openxmlformats.org/markup-compatibility/2006">
+    <mc:Choice xmlns:p14="http://schemas.microsoft.com/office/powerpoint/2010/main" Requires="p14">
+      <p:transition spd="slow" p14:dur="2000">
+        <p14:prism isContent="1"/>
+      </p:transition>
+    </mc:Choice>
+    <mc:Fallback>
+      <p:transition spd="slow">
+        <p:fade/>
+      </p:transition>
+    </mc:Fallback>
+  </mc:AlternateContent>
   <p:timing>
     <p:tnLst>
       <p:par>

--- a/lectures/09-CountData.pptx
+++ b/lectures/09-CountData.pptx
@@ -409,7 +409,7 @@
           <a:p>
             <a:fld id="{08BD4FA9-F3CE-45B3-A980-C331C6F1EF65}" type="datetimeFigureOut">
               <a:rPr lang="en-US" smtClean="0"/>
-              <a:t>12/12/2022</a:t>
+              <a:t>12/15/2022</a:t>
             </a:fld>
             <a:endParaRPr lang="en-US"/>
           </a:p>
@@ -682,7 +682,7 @@
           <a:p>
             <a:fld id="{EAAD3657-2200-4D14-82C0-10C39B0F0F06}" type="datetime1">
               <a:rPr lang="en-US" smtClean="0"/>
-              <a:t>12/12/2022</a:t>
+              <a:t>12/15/2022</a:t>
             </a:fld>
             <a:endParaRPr lang="en-US"/>
           </a:p>
@@ -850,7 +850,7 @@
           <a:p>
             <a:fld id="{11BBAF55-A85E-4993-914E-FC1E5AA7DF24}" type="datetime1">
               <a:rPr lang="en-US" smtClean="0"/>
-              <a:t>12/12/2022</a:t>
+              <a:t>12/15/2022</a:t>
             </a:fld>
             <a:endParaRPr lang="en-US"/>
           </a:p>
@@ -1028,7 +1028,7 @@
           <a:p>
             <a:fld id="{39816E07-E1DB-44A4-A5E5-9F4B54E8C933}" type="datetime1">
               <a:rPr lang="en-US" smtClean="0"/>
-              <a:t>12/12/2022</a:t>
+              <a:t>12/15/2022</a:t>
             </a:fld>
             <a:endParaRPr lang="en-US"/>
           </a:p>
@@ -1213,7 +1213,7 @@
           <a:p>
             <a:fld id="{C2B1AD17-B813-4477-8AFE-B1860CC59113}" type="datetime1">
               <a:rPr lang="en-US" smtClean="0"/>
-              <a:t>12/12/2022</a:t>
+              <a:t>12/15/2022</a:t>
             </a:fld>
             <a:endParaRPr lang="en-US"/>
           </a:p>
@@ -1458,7 +1458,7 @@
           <a:p>
             <a:fld id="{D0975C0D-5C9E-48CC-8D31-F42D19FA8F7A}" type="datetime1">
               <a:rPr lang="en-US" smtClean="0"/>
-              <a:t>12/12/2022</a:t>
+              <a:t>12/15/2022</a:t>
             </a:fld>
             <a:endParaRPr lang="en-US"/>
           </a:p>
@@ -1743,7 +1743,7 @@
           <a:p>
             <a:fld id="{28657551-0F2B-4F09-86FD-F7994CE83DC5}" type="datetime1">
               <a:rPr lang="en-US" smtClean="0"/>
-              <a:t>12/12/2022</a:t>
+              <a:t>12/15/2022</a:t>
             </a:fld>
             <a:endParaRPr lang="en-US"/>
           </a:p>
@@ -2162,7 +2162,7 @@
           <a:p>
             <a:fld id="{3929D2B2-4200-46B9-96C3-02A55D5FAA00}" type="datetime1">
               <a:rPr lang="en-US" smtClean="0"/>
-              <a:t>12/12/2022</a:t>
+              <a:t>12/15/2022</a:t>
             </a:fld>
             <a:endParaRPr lang="en-US"/>
           </a:p>
@@ -2279,7 +2279,7 @@
           <a:p>
             <a:fld id="{41FF7722-74E8-497F-A072-89677A2C2373}" type="datetime1">
               <a:rPr lang="en-US" smtClean="0"/>
-              <a:t>12/12/2022</a:t>
+              <a:t>12/15/2022</a:t>
             </a:fld>
             <a:endParaRPr lang="en-US"/>
           </a:p>
@@ -2374,7 +2374,7 @@
           <a:p>
             <a:fld id="{BD26212E-B46B-426F-AE59-AA326827D9E0}" type="datetime1">
               <a:rPr lang="en-US" smtClean="0"/>
-              <a:t>12/12/2022</a:t>
+              <a:t>12/15/2022</a:t>
             </a:fld>
             <a:endParaRPr lang="en-US"/>
           </a:p>
@@ -2649,7 +2649,7 @@
           <a:p>
             <a:fld id="{FB9B81E8-09EA-4684-A39F-38DE1E49D20C}" type="datetime1">
               <a:rPr lang="en-US" smtClean="0"/>
-              <a:t>12/12/2022</a:t>
+              <a:t>12/15/2022</a:t>
             </a:fld>
             <a:endParaRPr lang="en-US"/>
           </a:p>
@@ -2901,7 +2901,7 @@
           <a:p>
             <a:fld id="{35C5CC5F-056C-4047-9A5C-9F5B4BED129B}" type="datetime1">
               <a:rPr lang="en-US" smtClean="0"/>
-              <a:t>12/12/2022</a:t>
+              <a:t>12/15/2022</a:t>
             </a:fld>
             <a:endParaRPr lang="en-US"/>
           </a:p>
@@ -3115,7 +3115,7 @@
           <a:p>
             <a:fld id="{E8171053-07BD-4A17-AC24-0A22EAA36098}" type="datetime1">
               <a:rPr lang="en-US" smtClean="0"/>
-              <a:t>12/12/2022</a:t>
+              <a:t>12/15/2022</a:t>
             </a:fld>
             <a:endParaRPr lang="en-US"/>
           </a:p>
@@ -6665,13 +6665,13 @@
   <p:clrMapOvr>
     <a:masterClrMapping/>
   </p:clrMapOvr>
-  <mc:AlternateContent xmlns:mc="http://schemas.openxmlformats.org/markup-compatibility/2006">
-    <mc:Choice xmlns:p14="http://schemas.microsoft.com/office/powerpoint/2010/main" Requires="p14">
+  <mc:AlternateContent xmlns:mc="http://schemas.openxmlformats.org/markup-compatibility/2006" xmlns:p14="http://schemas.microsoft.com/office/powerpoint/2010/main">
+    <mc:Choice Requires="p14">
       <p:transition spd="slow" p14:dur="2000">
         <p14:prism isContent="1"/>
       </p:transition>
     </mc:Choice>
-    <mc:Fallback>
+    <mc:Fallback xmlns="">
       <p:transition spd="slow">
         <p:fade/>
       </p:transition>
@@ -11118,13 +11118,13 @@
   <p:clrMapOvr>
     <a:masterClrMapping/>
   </p:clrMapOvr>
-  <mc:AlternateContent xmlns:mc="http://schemas.openxmlformats.org/markup-compatibility/2006">
-    <mc:Choice xmlns:p14="http://schemas.microsoft.com/office/powerpoint/2010/main" Requires="p14">
+  <mc:AlternateContent xmlns:mc="http://schemas.openxmlformats.org/markup-compatibility/2006" xmlns:p14="http://schemas.microsoft.com/office/powerpoint/2010/main">
+    <mc:Choice Requires="p14">
       <p:transition spd="slow" p14:dur="2000">
         <p14:prism isContent="1"/>
       </p:transition>
     </mc:Choice>
-    <mc:Fallback>
+    <mc:Fallback xmlns="">
       <p:transition spd="slow">
         <p:fade/>
       </p:transition>
@@ -16369,13 +16369,13 @@
   <p:clrMapOvr>
     <a:masterClrMapping/>
   </p:clrMapOvr>
-  <mc:AlternateContent xmlns:mc="http://schemas.openxmlformats.org/markup-compatibility/2006">
-    <mc:Choice xmlns:p14="http://schemas.microsoft.com/office/powerpoint/2010/main" Requires="p14">
+  <mc:AlternateContent xmlns:mc="http://schemas.openxmlformats.org/markup-compatibility/2006" xmlns:p14="http://schemas.microsoft.com/office/powerpoint/2010/main">
+    <mc:Choice Requires="p14">
       <p:transition spd="slow" p14:dur="2000">
         <p14:prism isContent="1"/>
       </p:transition>
     </mc:Choice>
-    <mc:Fallback>
+    <mc:Fallback xmlns="">
       <p:transition spd="slow">
         <p:fade/>
       </p:transition>
@@ -22473,13 +22473,13 @@
   <p:clrMapOvr>
     <a:masterClrMapping/>
   </p:clrMapOvr>
-  <mc:AlternateContent xmlns:mc="http://schemas.openxmlformats.org/markup-compatibility/2006">
-    <mc:Choice xmlns:p14="http://schemas.microsoft.com/office/powerpoint/2010/main" Requires="p14">
+  <mc:AlternateContent xmlns:mc="http://schemas.openxmlformats.org/markup-compatibility/2006" xmlns:p14="http://schemas.microsoft.com/office/powerpoint/2010/main">
+    <mc:Choice Requires="p14">
       <p:transition spd="slow" p14:dur="2000">
         <p14:prism isContent="1"/>
       </p:transition>
     </mc:Choice>
-    <mc:Fallback>
+    <mc:Fallback xmlns="">
       <p:transition spd="slow">
         <p:fade/>
       </p:transition>

--- a/lectures/09-CountData.pptx
+++ b/lectures/09-CountData.pptx
@@ -425,7 +425,7 @@
           <a:p>
             <a:fld id="{08BD4FA9-F3CE-45B3-A980-C331C6F1EF65}" type="datetimeFigureOut">
               <a:rPr lang="en-US" smtClean="0"/>
-              <a:t>3/20/2023</a:t>
+              <a:t>3/21/2023</a:t>
             </a:fld>
             <a:endParaRPr lang="en-US"/>
           </a:p>
@@ -698,7 +698,7 @@
           <a:p>
             <a:fld id="{EAAD3657-2200-4D14-82C0-10C39B0F0F06}" type="datetime1">
               <a:rPr lang="en-US" smtClean="0"/>
-              <a:t>3/20/2023</a:t>
+              <a:t>3/21/2023</a:t>
             </a:fld>
             <a:endParaRPr lang="en-US"/>
           </a:p>
@@ -866,7 +866,7 @@
           <a:p>
             <a:fld id="{11BBAF55-A85E-4993-914E-FC1E5AA7DF24}" type="datetime1">
               <a:rPr lang="en-US" smtClean="0"/>
-              <a:t>3/20/2023</a:t>
+              <a:t>3/21/2023</a:t>
             </a:fld>
             <a:endParaRPr lang="en-US"/>
           </a:p>
@@ -1044,7 +1044,7 @@
           <a:p>
             <a:fld id="{39816E07-E1DB-44A4-A5E5-9F4B54E8C933}" type="datetime1">
               <a:rPr lang="en-US" smtClean="0"/>
-              <a:t>3/20/2023</a:t>
+              <a:t>3/21/2023</a:t>
             </a:fld>
             <a:endParaRPr lang="en-US"/>
           </a:p>
@@ -1229,7 +1229,7 @@
           <a:p>
             <a:fld id="{C2B1AD17-B813-4477-8AFE-B1860CC59113}" type="datetime1">
               <a:rPr lang="en-US" smtClean="0"/>
-              <a:t>3/20/2023</a:t>
+              <a:t>3/21/2023</a:t>
             </a:fld>
             <a:endParaRPr lang="en-US"/>
           </a:p>
@@ -1474,7 +1474,7 @@
           <a:p>
             <a:fld id="{D0975C0D-5C9E-48CC-8D31-F42D19FA8F7A}" type="datetime1">
               <a:rPr lang="en-US" smtClean="0"/>
-              <a:t>3/20/2023</a:t>
+              <a:t>3/21/2023</a:t>
             </a:fld>
             <a:endParaRPr lang="en-US"/>
           </a:p>
@@ -1759,7 +1759,7 @@
           <a:p>
             <a:fld id="{28657551-0F2B-4F09-86FD-F7994CE83DC5}" type="datetime1">
               <a:rPr lang="en-US" smtClean="0"/>
-              <a:t>3/20/2023</a:t>
+              <a:t>3/21/2023</a:t>
             </a:fld>
             <a:endParaRPr lang="en-US"/>
           </a:p>
@@ -2178,7 +2178,7 @@
           <a:p>
             <a:fld id="{3929D2B2-4200-46B9-96C3-02A55D5FAA00}" type="datetime1">
               <a:rPr lang="en-US" smtClean="0"/>
-              <a:t>3/20/2023</a:t>
+              <a:t>3/21/2023</a:t>
             </a:fld>
             <a:endParaRPr lang="en-US"/>
           </a:p>
@@ -2295,7 +2295,7 @@
           <a:p>
             <a:fld id="{41FF7722-74E8-497F-A072-89677A2C2373}" type="datetime1">
               <a:rPr lang="en-US" smtClean="0"/>
-              <a:t>3/20/2023</a:t>
+              <a:t>3/21/2023</a:t>
             </a:fld>
             <a:endParaRPr lang="en-US"/>
           </a:p>
@@ -2390,7 +2390,7 @@
           <a:p>
             <a:fld id="{BD26212E-B46B-426F-AE59-AA326827D9E0}" type="datetime1">
               <a:rPr lang="en-US" smtClean="0"/>
-              <a:t>3/20/2023</a:t>
+              <a:t>3/21/2023</a:t>
             </a:fld>
             <a:endParaRPr lang="en-US"/>
           </a:p>
@@ -2665,7 +2665,7 @@
           <a:p>
             <a:fld id="{FB9B81E8-09EA-4684-A39F-38DE1E49D20C}" type="datetime1">
               <a:rPr lang="en-US" smtClean="0"/>
-              <a:t>3/20/2023</a:t>
+              <a:t>3/21/2023</a:t>
             </a:fld>
             <a:endParaRPr lang="en-US"/>
           </a:p>
@@ -2917,7 +2917,7 @@
           <a:p>
             <a:fld id="{35C5CC5F-056C-4047-9A5C-9F5B4BED129B}" type="datetime1">
               <a:rPr lang="en-US" smtClean="0"/>
-              <a:t>3/20/2023</a:t>
+              <a:t>3/21/2023</a:t>
             </a:fld>
             <a:endParaRPr lang="en-US"/>
           </a:p>
@@ -3131,7 +3131,7 @@
           <a:p>
             <a:fld id="{E8171053-07BD-4A17-AC24-0A22EAA36098}" type="datetime1">
               <a:rPr lang="en-US" smtClean="0"/>
-              <a:t>3/20/2023</a:t>
+              <a:t>3/21/2023</a:t>
             </a:fld>
             <a:endParaRPr lang="en-US"/>
           </a:p>
@@ -4646,13 +4646,47 @@
           <a:p>
             <a:r>
               <a:rPr lang="en-US" sz="2400" dirty="0"/>
+              <a:t>For Poisson (</a:t>
+            </a:r>
+            <a:r>
+              <a:rPr lang="en-US" sz="2400" dirty="0" err="1"/>
+              <a:t>freq</a:t>
+            </a:r>
+            <a:r>
+              <a:rPr lang="en-US" sz="2400" dirty="0"/>
+              <a:t>) data, parameter estimates are </a:t>
+            </a:r>
+            <a:r>
+              <a:rPr lang="en-US" sz="2400" dirty="0">
+                <a:solidFill>
+                  <a:srgbClr val="0070C0"/>
+                </a:solidFill>
+              </a:rPr>
+              <a:t>unchanged</a:t>
+            </a:r>
+            <a:r>
+              <a:rPr lang="en-US" sz="2400" dirty="0"/>
+              <a:t>; it affects only the std. errors (&amp; </a:t>
+            </a:r>
+            <a:r>
+              <a:rPr lang="en-US" sz="2400" i="1" dirty="0"/>
+              <a:t>z</a:t>
+            </a:r>
+            <a:r>
+              <a:rPr lang="en-US" sz="2400" dirty="0"/>
+              <a:t>-tests)</a:t>
+            </a:r>
+          </a:p>
+          <a:p>
+            <a:r>
+              <a:rPr lang="en-US" sz="2400" dirty="0"/>
               <a:t>It tells you something interesting about your data or analysis</a:t>
             </a:r>
           </a:p>
           <a:p>
             <a:r>
               <a:rPr lang="en-US" sz="2400" dirty="0"/>
-              <a:t>Can lead to better understanding of your data collection or model</a:t>
+              <a:t>Can lead to better understanding of your model: What did I leave out?</a:t>
             </a:r>
           </a:p>
           <a:p>
@@ -4945,6 +4979,55 @@
                                           <p:spTgt spid="4">
                                             <p:txEl>
                                               <p:pRg st="7" end="7"/>
+                                            </p:txEl>
+                                          </p:spTgt>
+                                        </p:tgtEl>
+                                        <p:attrNameLst>
+                                          <p:attrName>style.visibility</p:attrName>
+                                        </p:attrNameLst>
+                                      </p:cBhvr>
+                                      <p:to>
+                                        <p:strVal val="visible"/>
+                                      </p:to>
+                                    </p:set>
+                                  </p:childTnLst>
+                                </p:cTn>
+                              </p:par>
+                            </p:childTnLst>
+                          </p:cTn>
+                        </p:par>
+                      </p:childTnLst>
+                    </p:cTn>
+                  </p:par>
+                  <p:par>
+                    <p:cTn id="23" fill="hold">
+                      <p:stCondLst>
+                        <p:cond delay="indefinite"/>
+                      </p:stCondLst>
+                      <p:childTnLst>
+                        <p:par>
+                          <p:cTn id="24" fill="hold">
+                            <p:stCondLst>
+                              <p:cond delay="0"/>
+                            </p:stCondLst>
+                            <p:childTnLst>
+                              <p:par>
+                                <p:cTn id="25" presetID="1" presetClass="entr" presetSubtype="0" fill="hold" nodeType="clickEffect">
+                                  <p:stCondLst>
+                                    <p:cond delay="0"/>
+                                  </p:stCondLst>
+                                  <p:childTnLst>
+                                    <p:set>
+                                      <p:cBhvr>
+                                        <p:cTn id="26" dur="1" fill="hold">
+                                          <p:stCondLst>
+                                            <p:cond delay="0"/>
+                                          </p:stCondLst>
+                                        </p:cTn>
+                                        <p:tgtEl>
+                                          <p:spTgt spid="4">
+                                            <p:txEl>
+                                              <p:pRg st="8" end="8"/>
                                             </p:txEl>
                                           </p:spTgt>
                                         </p:tgtEl>
@@ -10474,7 +10557,19 @@
             </a:pPr>
             <a:r>
               <a:rPr lang="en-US" dirty="0"/>
-              <a:t>A more principled analysis would consider which interactions might be interesting / important</a:t>
+              <a:t>A more principled analysis would consider </a:t>
+            </a:r>
+            <a:r>
+              <a:rPr lang="en-US" dirty="0">
+                <a:solidFill>
+                  <a:srgbClr val="0070C0"/>
+                </a:solidFill>
+              </a:rPr>
+              <a:t>which interactions </a:t>
+            </a:r>
+            <a:r>
+              <a:rPr lang="en-US" dirty="0"/>
+              <a:t>might be interesting / important</a:t>
             </a:r>
           </a:p>
         </p:txBody>
@@ -14959,12 +15054,24 @@
               <a:t> linear models fit with </a:t>
             </a:r>
             <a:r>
-              <a:rPr lang="en-US" sz="2000" dirty="0" err="1"/>
+              <a:rPr lang="en-US" sz="2000" dirty="0" err="1">
+                <a:solidFill>
+                  <a:srgbClr val="0070C0"/>
+                </a:solidFill>
+              </a:rPr>
               <a:t>glm</a:t>
             </a:r>
             <a:r>
+              <a:rPr lang="en-US" sz="2000" dirty="0">
+                <a:solidFill>
+                  <a:srgbClr val="0070C0"/>
+                </a:solidFill>
+              </a:rPr>
+              <a:t>() </a:t>
+            </a:r>
+            <a:r>
               <a:rPr lang="en-US" sz="2000" dirty="0"/>
-              <a:t>() in two contexts so far</a:t>
+              <a:t>in two contexts so far</a:t>
             </a:r>
           </a:p>
         </p:txBody>
@@ -15792,8 +15899,8 @@
           </a:p>
         </p:txBody>
       </p:sp>
-      <mc:AlternateContent xmlns:mc="http://schemas.openxmlformats.org/markup-compatibility/2006">
-        <mc:Choice xmlns:a14="http://schemas.microsoft.com/office/drawing/2010/main" Requires="a14">
+      <mc:AlternateContent xmlns:mc="http://schemas.openxmlformats.org/markup-compatibility/2006" xmlns:a14="http://schemas.microsoft.com/office/drawing/2010/main">
+        <mc:Choice Requires="a14">
           <p:sp>
             <p:nvSpPr>
               <p:cNvPr id="3" name="Content Placeholder 2">
@@ -16049,7 +16156,7 @@
             </p:txBody>
           </p:sp>
         </mc:Choice>
-        <mc:Fallback>
+        <mc:Fallback xmlns="">
           <p:sp>
             <p:nvSpPr>
               <p:cNvPr id="3" name="Content Placeholder 2">
@@ -18383,6 +18490,59 @@
           </a:p>
         </p:txBody>
       </p:sp>
+      <p:sp>
+        <p:nvSpPr>
+          <p:cNvPr id="5" name="TextBox 4">
+            <a:extLst>
+              <a:ext uri="{FF2B5EF4-FFF2-40B4-BE49-F238E27FC236}">
+                <a16:creationId xmlns:a16="http://schemas.microsoft.com/office/drawing/2014/main" id="{0B9253CA-A1A8-8577-D7FB-576F3783739C}"/>
+              </a:ext>
+            </a:extLst>
+          </p:cNvPr>
+          <p:cNvSpPr txBox="1"/>
+          <p:nvPr/>
+        </p:nvSpPr>
+        <p:spPr>
+          <a:xfrm>
+            <a:off x="667772" y="5715000"/>
+            <a:ext cx="3124200" cy="381000"/>
+          </a:xfrm>
+          <a:prstGeom prst="rect">
+            <a:avLst/>
+          </a:prstGeom>
+          <a:noFill/>
+        </p:spPr>
+        <p:txBody>
+          <a:bodyPr wrap="square" rtlCol="0">
+            <a:spAutoFit/>
+          </a:bodyPr>
+          <a:lstStyle/>
+          <a:p>
+            <a:r>
+              <a:rPr lang="en-CA" dirty="0"/>
+              <a:t>Equivalently: </a:t>
+            </a:r>
+            <a:r>
+              <a:rPr lang="el-GR" dirty="0"/>
+              <a:t>α</a:t>
+            </a:r>
+            <a:r>
+              <a:rPr lang="en-CA" dirty="0"/>
+              <a:t> = 1/</a:t>
+            </a:r>
+            <a:r>
+              <a:rPr lang="en-CA" dirty="0">
+                <a:sym typeface="Symbol" panose="05050102010706020507" pitchFamily="18" charset="2"/>
+              </a:rPr>
+              <a:t> = 0.44</a:t>
+            </a:r>
+            <a:r>
+              <a:rPr lang="en-CA" dirty="0"/>
+              <a:t> </a:t>
+            </a:r>
+          </a:p>
+        </p:txBody>
+      </p:sp>
     </p:spTree>
     <p:extLst>
       <p:ext uri="{BB962C8B-B14F-4D97-AF65-F5344CB8AC3E}">
@@ -19862,6 +20022,41 @@
           </a:prstGeom>
         </p:spPr>
       </p:pic>
+      <p:sp>
+        <p:nvSpPr>
+          <p:cNvPr id="5" name="TextBox 4">
+            <a:extLst>
+              <a:ext uri="{FF2B5EF4-FFF2-40B4-BE49-F238E27FC236}">
+                <a16:creationId xmlns:a16="http://schemas.microsoft.com/office/drawing/2014/main" id="{F07E7FEB-2425-3EDC-EB41-FC6FDDE6DE03}"/>
+              </a:ext>
+            </a:extLst>
+          </p:cNvPr>
+          <p:cNvSpPr txBox="1"/>
+          <p:nvPr/>
+        </p:nvSpPr>
+        <p:spPr>
+          <a:xfrm>
+            <a:off x="762000" y="5638800"/>
+            <a:ext cx="7848600" cy="646331"/>
+          </a:xfrm>
+          <a:prstGeom prst="rect">
+            <a:avLst/>
+          </a:prstGeom>
+          <a:noFill/>
+        </p:spPr>
+        <p:txBody>
+          <a:bodyPr wrap="square" rtlCol="0">
+            <a:spAutoFit/>
+          </a:bodyPr>
+          <a:lstStyle/>
+          <a:p>
+            <a:r>
+              <a:rPr lang="en-CA" dirty="0"/>
+              <a:t>I call this a “model sensitivity plot” – how much effect do different assumptions make?</a:t>
+            </a:r>
+          </a:p>
+        </p:txBody>
+      </p:sp>
     </p:spTree>
     <p:extLst>
       <p:ext uri="{BB962C8B-B14F-4D97-AF65-F5344CB8AC3E}">
@@ -20842,6 +21037,356 @@
   <p:clrMapOvr>
     <a:masterClrMapping/>
   </p:clrMapOvr>
+  <p:timing>
+    <p:tnLst>
+      <p:par>
+        <p:cTn id="1" dur="indefinite" restart="never" nodeType="tmRoot">
+          <p:childTnLst>
+            <p:seq concurrent="1" nextAc="seek">
+              <p:cTn id="2" dur="indefinite" nodeType="mainSeq">
+                <p:childTnLst>
+                  <p:par>
+                    <p:cTn id="3" fill="hold">
+                      <p:stCondLst>
+                        <p:cond delay="indefinite"/>
+                      </p:stCondLst>
+                      <p:childTnLst>
+                        <p:par>
+                          <p:cTn id="4" fill="hold">
+                            <p:stCondLst>
+                              <p:cond delay="0"/>
+                            </p:stCondLst>
+                            <p:childTnLst>
+                              <p:par>
+                                <p:cTn id="5" presetID="1" presetClass="entr" presetSubtype="0" fill="hold" nodeType="clickEffect">
+                                  <p:stCondLst>
+                                    <p:cond delay="0"/>
+                                  </p:stCondLst>
+                                  <p:childTnLst>
+                                    <p:set>
+                                      <p:cBhvr>
+                                        <p:cTn id="6" dur="1" fill="hold">
+                                          <p:stCondLst>
+                                            <p:cond delay="0"/>
+                                          </p:stCondLst>
+                                        </p:cTn>
+                                        <p:tgtEl>
+                                          <p:spTgt spid="4">
+                                            <p:txEl>
+                                              <p:pRg st="1" end="1"/>
+                                            </p:txEl>
+                                          </p:spTgt>
+                                        </p:tgtEl>
+                                        <p:attrNameLst>
+                                          <p:attrName>style.visibility</p:attrName>
+                                        </p:attrNameLst>
+                                      </p:cBhvr>
+                                      <p:to>
+                                        <p:strVal val="visible"/>
+                                      </p:to>
+                                    </p:set>
+                                  </p:childTnLst>
+                                </p:cTn>
+                              </p:par>
+                            </p:childTnLst>
+                          </p:cTn>
+                        </p:par>
+                      </p:childTnLst>
+                    </p:cTn>
+                  </p:par>
+                  <p:par>
+                    <p:cTn id="7" fill="hold">
+                      <p:stCondLst>
+                        <p:cond delay="indefinite"/>
+                      </p:stCondLst>
+                      <p:childTnLst>
+                        <p:par>
+                          <p:cTn id="8" fill="hold">
+                            <p:stCondLst>
+                              <p:cond delay="0"/>
+                            </p:stCondLst>
+                            <p:childTnLst>
+                              <p:par>
+                                <p:cTn id="9" presetID="1" presetClass="entr" presetSubtype="0" fill="hold" nodeType="clickEffect">
+                                  <p:stCondLst>
+                                    <p:cond delay="0"/>
+                                  </p:stCondLst>
+                                  <p:childTnLst>
+                                    <p:set>
+                                      <p:cBhvr>
+                                        <p:cTn id="10" dur="1" fill="hold">
+                                          <p:stCondLst>
+                                            <p:cond delay="0"/>
+                                          </p:stCondLst>
+                                        </p:cTn>
+                                        <p:tgtEl>
+                                          <p:spTgt spid="4">
+                                            <p:txEl>
+                                              <p:pRg st="2" end="2"/>
+                                            </p:txEl>
+                                          </p:spTgt>
+                                        </p:tgtEl>
+                                        <p:attrNameLst>
+                                          <p:attrName>style.visibility</p:attrName>
+                                        </p:attrNameLst>
+                                      </p:cBhvr>
+                                      <p:to>
+                                        <p:strVal val="visible"/>
+                                      </p:to>
+                                    </p:set>
+                                  </p:childTnLst>
+                                </p:cTn>
+                              </p:par>
+                              <p:par>
+                                <p:cTn id="11" presetID="1" presetClass="entr" presetSubtype="0" fill="hold" nodeType="withEffect">
+                                  <p:stCondLst>
+                                    <p:cond delay="0"/>
+                                  </p:stCondLst>
+                                  <p:childTnLst>
+                                    <p:set>
+                                      <p:cBhvr>
+                                        <p:cTn id="12" dur="1" fill="hold">
+                                          <p:stCondLst>
+                                            <p:cond delay="0"/>
+                                          </p:stCondLst>
+                                        </p:cTn>
+                                        <p:tgtEl>
+                                          <p:spTgt spid="4">
+                                            <p:txEl>
+                                              <p:pRg st="3" end="3"/>
+                                            </p:txEl>
+                                          </p:spTgt>
+                                        </p:tgtEl>
+                                        <p:attrNameLst>
+                                          <p:attrName>style.visibility</p:attrName>
+                                        </p:attrNameLst>
+                                      </p:cBhvr>
+                                      <p:to>
+                                        <p:strVal val="visible"/>
+                                      </p:to>
+                                    </p:set>
+                                  </p:childTnLst>
+                                </p:cTn>
+                              </p:par>
+                            </p:childTnLst>
+                          </p:cTn>
+                        </p:par>
+                      </p:childTnLst>
+                    </p:cTn>
+                  </p:par>
+                  <p:par>
+                    <p:cTn id="13" fill="hold">
+                      <p:stCondLst>
+                        <p:cond delay="indefinite"/>
+                      </p:stCondLst>
+                      <p:childTnLst>
+                        <p:par>
+                          <p:cTn id="14" fill="hold">
+                            <p:stCondLst>
+                              <p:cond delay="0"/>
+                            </p:stCondLst>
+                            <p:childTnLst>
+                              <p:par>
+                                <p:cTn id="15" presetID="1" presetClass="entr" presetSubtype="0" fill="hold" nodeType="clickEffect">
+                                  <p:stCondLst>
+                                    <p:cond delay="0"/>
+                                  </p:stCondLst>
+                                  <p:childTnLst>
+                                    <p:set>
+                                      <p:cBhvr>
+                                        <p:cTn id="16" dur="1" fill="hold">
+                                          <p:stCondLst>
+                                            <p:cond delay="0"/>
+                                          </p:stCondLst>
+                                        </p:cTn>
+                                        <p:tgtEl>
+                                          <p:spTgt spid="4">
+                                            <p:txEl>
+                                              <p:pRg st="4" end="4"/>
+                                            </p:txEl>
+                                          </p:spTgt>
+                                        </p:tgtEl>
+                                        <p:attrNameLst>
+                                          <p:attrName>style.visibility</p:attrName>
+                                        </p:attrNameLst>
+                                      </p:cBhvr>
+                                      <p:to>
+                                        <p:strVal val="visible"/>
+                                      </p:to>
+                                    </p:set>
+                                  </p:childTnLst>
+                                </p:cTn>
+                              </p:par>
+                            </p:childTnLst>
+                          </p:cTn>
+                        </p:par>
+                      </p:childTnLst>
+                    </p:cTn>
+                  </p:par>
+                  <p:par>
+                    <p:cTn id="17" fill="hold">
+                      <p:stCondLst>
+                        <p:cond delay="indefinite"/>
+                      </p:stCondLst>
+                      <p:childTnLst>
+                        <p:par>
+                          <p:cTn id="18" fill="hold">
+                            <p:stCondLst>
+                              <p:cond delay="0"/>
+                            </p:stCondLst>
+                            <p:childTnLst>
+                              <p:par>
+                                <p:cTn id="19" presetID="1" presetClass="entr" presetSubtype="0" fill="hold" nodeType="clickEffect">
+                                  <p:stCondLst>
+                                    <p:cond delay="0"/>
+                                  </p:stCondLst>
+                                  <p:childTnLst>
+                                    <p:set>
+                                      <p:cBhvr>
+                                        <p:cTn id="20" dur="1" fill="hold">
+                                          <p:stCondLst>
+                                            <p:cond delay="0"/>
+                                          </p:stCondLst>
+                                        </p:cTn>
+                                        <p:tgtEl>
+                                          <p:spTgt spid="4">
+                                            <p:txEl>
+                                              <p:pRg st="5" end="5"/>
+                                            </p:txEl>
+                                          </p:spTgt>
+                                        </p:tgtEl>
+                                        <p:attrNameLst>
+                                          <p:attrName>style.visibility</p:attrName>
+                                        </p:attrNameLst>
+                                      </p:cBhvr>
+                                      <p:to>
+                                        <p:strVal val="visible"/>
+                                      </p:to>
+                                    </p:set>
+                                  </p:childTnLst>
+                                </p:cTn>
+                              </p:par>
+                              <p:par>
+                                <p:cTn id="21" presetID="1" presetClass="entr" presetSubtype="0" fill="hold" nodeType="withEffect">
+                                  <p:stCondLst>
+                                    <p:cond delay="0"/>
+                                  </p:stCondLst>
+                                  <p:childTnLst>
+                                    <p:set>
+                                      <p:cBhvr>
+                                        <p:cTn id="22" dur="1" fill="hold">
+                                          <p:stCondLst>
+                                            <p:cond delay="0"/>
+                                          </p:stCondLst>
+                                        </p:cTn>
+                                        <p:tgtEl>
+                                          <p:spTgt spid="4">
+                                            <p:txEl>
+                                              <p:pRg st="6" end="6"/>
+                                            </p:txEl>
+                                          </p:spTgt>
+                                        </p:tgtEl>
+                                        <p:attrNameLst>
+                                          <p:attrName>style.visibility</p:attrName>
+                                        </p:attrNameLst>
+                                      </p:cBhvr>
+                                      <p:to>
+                                        <p:strVal val="visible"/>
+                                      </p:to>
+                                    </p:set>
+                                  </p:childTnLst>
+                                </p:cTn>
+                              </p:par>
+                              <p:par>
+                                <p:cTn id="23" presetID="1" presetClass="entr" presetSubtype="0" fill="hold" nodeType="withEffect">
+                                  <p:stCondLst>
+                                    <p:cond delay="0"/>
+                                  </p:stCondLst>
+                                  <p:childTnLst>
+                                    <p:set>
+                                      <p:cBhvr>
+                                        <p:cTn id="24" dur="1" fill="hold">
+                                          <p:stCondLst>
+                                            <p:cond delay="0"/>
+                                          </p:stCondLst>
+                                        </p:cTn>
+                                        <p:tgtEl>
+                                          <p:spTgt spid="4">
+                                            <p:txEl>
+                                              <p:pRg st="7" end="7"/>
+                                            </p:txEl>
+                                          </p:spTgt>
+                                        </p:tgtEl>
+                                        <p:attrNameLst>
+                                          <p:attrName>style.visibility</p:attrName>
+                                        </p:attrNameLst>
+                                      </p:cBhvr>
+                                      <p:to>
+                                        <p:strVal val="visible"/>
+                                      </p:to>
+                                    </p:set>
+                                  </p:childTnLst>
+                                </p:cTn>
+                              </p:par>
+                              <p:par>
+                                <p:cTn id="25" presetID="1" presetClass="entr" presetSubtype="0" fill="hold" nodeType="withEffect">
+                                  <p:stCondLst>
+                                    <p:cond delay="0"/>
+                                  </p:stCondLst>
+                                  <p:childTnLst>
+                                    <p:set>
+                                      <p:cBhvr>
+                                        <p:cTn id="26" dur="1" fill="hold">
+                                          <p:stCondLst>
+                                            <p:cond delay="0"/>
+                                          </p:stCondLst>
+                                        </p:cTn>
+                                        <p:tgtEl>
+                                          <p:spTgt spid="4">
+                                            <p:txEl>
+                                              <p:pRg st="8" end="8"/>
+                                            </p:txEl>
+                                          </p:spTgt>
+                                        </p:tgtEl>
+                                        <p:attrNameLst>
+                                          <p:attrName>style.visibility</p:attrName>
+                                        </p:attrNameLst>
+                                      </p:cBhvr>
+                                      <p:to>
+                                        <p:strVal val="visible"/>
+                                      </p:to>
+                                    </p:set>
+                                  </p:childTnLst>
+                                </p:cTn>
+                              </p:par>
+                            </p:childTnLst>
+                          </p:cTn>
+                        </p:par>
+                      </p:childTnLst>
+                    </p:cTn>
+                  </p:par>
+                </p:childTnLst>
+              </p:cTn>
+              <p:prevCondLst>
+                <p:cond evt="onPrev" delay="0">
+                  <p:tgtEl>
+                    <p:sldTgt/>
+                  </p:tgtEl>
+                </p:cond>
+              </p:prevCondLst>
+              <p:nextCondLst>
+                <p:cond evt="onNext" delay="0">
+                  <p:tgtEl>
+                    <p:sldTgt/>
+                  </p:tgtEl>
+                </p:cond>
+              </p:nextCondLst>
+            </p:seq>
+          </p:childTnLst>
+        </p:cTn>
+      </p:par>
+    </p:tnLst>
+  </p:timing>
 </p:sld>
 </file>
 
@@ -22399,7 +22944,7 @@
             </a:r>
             <a:r>
               <a:rPr lang="en-US" sz="2000" dirty="0"/>
-              <a:t>)</a:t>
+              <a:t>). But not necessarily!</a:t>
             </a:r>
           </a:p>
         </p:txBody>
@@ -22791,6 +23336,126 @@
   <p:clrMapOvr>
     <a:masterClrMapping/>
   </p:clrMapOvr>
+  <p:timing>
+    <p:tnLst>
+      <p:par>
+        <p:cTn id="1" dur="indefinite" restart="never" nodeType="tmRoot">
+          <p:childTnLst>
+            <p:seq concurrent="1" nextAc="seek">
+              <p:cTn id="2" dur="indefinite" nodeType="mainSeq">
+                <p:childTnLst>
+                  <p:par>
+                    <p:cTn id="3" fill="hold">
+                      <p:stCondLst>
+                        <p:cond delay="indefinite"/>
+                      </p:stCondLst>
+                      <p:childTnLst>
+                        <p:par>
+                          <p:cTn id="4" fill="hold">
+                            <p:stCondLst>
+                              <p:cond delay="0"/>
+                            </p:stCondLst>
+                            <p:childTnLst>
+                              <p:par>
+                                <p:cTn id="5" presetID="1" presetClass="entr" presetSubtype="0" fill="hold" nodeType="clickEffect">
+                                  <p:stCondLst>
+                                    <p:cond delay="0"/>
+                                  </p:stCondLst>
+                                  <p:childTnLst>
+                                    <p:set>
+                                      <p:cBhvr>
+                                        <p:cTn id="6" dur="1" fill="hold">
+                                          <p:stCondLst>
+                                            <p:cond delay="0"/>
+                                          </p:stCondLst>
+                                        </p:cTn>
+                                        <p:tgtEl>
+                                          <p:spTgt spid="5"/>
+                                        </p:tgtEl>
+                                        <p:attrNameLst>
+                                          <p:attrName>style.visibility</p:attrName>
+                                        </p:attrNameLst>
+                                      </p:cBhvr>
+                                      <p:to>
+                                        <p:strVal val="visible"/>
+                                      </p:to>
+                                    </p:set>
+                                  </p:childTnLst>
+                                </p:cTn>
+                              </p:par>
+                            </p:childTnLst>
+                          </p:cTn>
+                        </p:par>
+                      </p:childTnLst>
+                    </p:cTn>
+                  </p:par>
+                  <p:par>
+                    <p:cTn id="7" fill="hold">
+                      <p:stCondLst>
+                        <p:cond delay="indefinite"/>
+                      </p:stCondLst>
+                      <p:childTnLst>
+                        <p:par>
+                          <p:cTn id="8" fill="hold">
+                            <p:stCondLst>
+                              <p:cond delay="0"/>
+                            </p:stCondLst>
+                            <p:childTnLst>
+                              <p:par>
+                                <p:cTn id="9" presetID="1" presetClass="entr" presetSubtype="0" fill="hold" nodeType="clickEffect">
+                                  <p:stCondLst>
+                                    <p:cond delay="0"/>
+                                  </p:stCondLst>
+                                  <p:childTnLst>
+                                    <p:set>
+                                      <p:cBhvr>
+                                        <p:cTn id="10" dur="1" fill="hold">
+                                          <p:stCondLst>
+                                            <p:cond delay="0"/>
+                                          </p:stCondLst>
+                                        </p:cTn>
+                                        <p:tgtEl>
+                                          <p:spTgt spid="6"/>
+                                        </p:tgtEl>
+                                        <p:attrNameLst>
+                                          <p:attrName>style.visibility</p:attrName>
+                                        </p:attrNameLst>
+                                      </p:cBhvr>
+                                      <p:to>
+                                        <p:strVal val="visible"/>
+                                      </p:to>
+                                    </p:set>
+                                  </p:childTnLst>
+                                </p:cTn>
+                              </p:par>
+                            </p:childTnLst>
+                          </p:cTn>
+                        </p:par>
+                      </p:childTnLst>
+                    </p:cTn>
+                  </p:par>
+                </p:childTnLst>
+              </p:cTn>
+              <p:prevCondLst>
+                <p:cond evt="onPrev" delay="0">
+                  <p:tgtEl>
+                    <p:sldTgt/>
+                  </p:tgtEl>
+                </p:cond>
+              </p:prevCondLst>
+              <p:nextCondLst>
+                <p:cond evt="onNext" delay="0">
+                  <p:tgtEl>
+                    <p:sldTgt/>
+                  </p:tgtEl>
+                </p:cond>
+              </p:nextCondLst>
+            </p:seq>
+          </p:childTnLst>
+        </p:cTn>
+      </p:par>
+    </p:tnLst>
+  </p:timing>
 </p:sld>
 </file>
 
@@ -27374,6 +28039,41 @@
               <a:t> = 0 by 0.608, a 45% decrease</a:t>
             </a:r>
             <a:endParaRPr lang="en-CA" dirty="0"/>
+          </a:p>
+        </p:txBody>
+      </p:sp>
+      <p:sp>
+        <p:nvSpPr>
+          <p:cNvPr id="7" name="TextBox 6">
+            <a:extLst>
+              <a:ext uri="{FF2B5EF4-FFF2-40B4-BE49-F238E27FC236}">
+                <a16:creationId xmlns:a16="http://schemas.microsoft.com/office/drawing/2014/main" id="{0AA22F18-E45B-23C9-4698-469737724E35}"/>
+              </a:ext>
+            </a:extLst>
+          </p:cNvPr>
+          <p:cNvSpPr txBox="1"/>
+          <p:nvPr/>
+        </p:nvSpPr>
+        <p:spPr>
+          <a:xfrm>
+            <a:off x="609600" y="5334000"/>
+            <a:ext cx="8077200" cy="461665"/>
+          </a:xfrm>
+          <a:prstGeom prst="rect">
+            <a:avLst/>
+          </a:prstGeom>
+          <a:noFill/>
+        </p:spPr>
+        <p:txBody>
+          <a:bodyPr wrap="square" rtlCol="0">
+            <a:spAutoFit/>
+          </a:bodyPr>
+          <a:lstStyle/>
+          <a:p>
+            <a:r>
+              <a:rPr lang="en-CA" sz="2400" dirty="0"/>
+              <a:t>Get your mentor to publish!!</a:t>
+            </a:r>
           </a:p>
         </p:txBody>
       </p:sp>

--- a/lectures/09-CountData.pptx
+++ b/lectures/09-CountData.pptx
@@ -4556,7 +4556,7 @@
               <a:t>&gt; t(</a:t>
             </a:r>
             <a:r>
-              <a:rPr lang="en-CA" sz="1400" dirty="0" err="1">
+              <a:rPr lang="en-CA" sz="1400" b="1" dirty="0" err="1">
                 <a:latin typeface="Courier New" panose="02070309020205020404" pitchFamily="49" charset="0"/>
                 <a:cs typeface="Courier New" panose="02070309020205020404" pitchFamily="49" charset="0"/>
               </a:rPr>
@@ -4570,21 +4570,21 @@
               <a:t>(m, </a:t>
             </a:r>
             <a:r>
-              <a:rPr lang="en-CA" sz="1400" dirty="0" err="1">
+              <a:rPr lang="en-CA" sz="1400" b="1" dirty="0" err="1">
                 <a:latin typeface="Courier New" panose="02070309020205020404" pitchFamily="49" charset="0"/>
                 <a:cs typeface="Courier New" panose="02070309020205020404" pitchFamily="49" charset="0"/>
               </a:rPr>
               <a:t>vcdExtra</a:t>
             </a:r>
             <a:r>
-              <a:rPr lang="en-CA" sz="1400" dirty="0">
+              <a:rPr lang="en-CA" sz="1400" b="1" dirty="0">
                 <a:latin typeface="Courier New" panose="02070309020205020404" pitchFamily="49" charset="0"/>
                 <a:cs typeface="Courier New" panose="02070309020205020404" pitchFamily="49" charset="0"/>
               </a:rPr>
               <a:t>::</a:t>
             </a:r>
             <a:r>
-              <a:rPr lang="en-CA" sz="1400" dirty="0" err="1">
+              <a:rPr lang="en-CA" sz="1400" b="1" dirty="0" err="1">
                 <a:latin typeface="Courier New" panose="02070309020205020404" pitchFamily="49" charset="0"/>
                 <a:cs typeface="Courier New" panose="02070309020205020404" pitchFamily="49" charset="0"/>
               </a:rPr>
@@ -4795,7 +4795,7 @@
             </a:r>
             <a:r>
               <a:rPr lang="en-CA" dirty="0"/>
-              <a:t> to each model:</a:t>
+              <a:t>() to each model:</a:t>
             </a:r>
           </a:p>
         </p:txBody>
